--- a/node.pptx
+++ b/node.pptx
@@ -213,7 +213,7 @@
           <a:p>
             <a:fld id="{07BD0C6F-DDAC-BA45-BBDC-9A26B91C54DB}" type="datetimeFigureOut">
               <a:rPr lang="en-US" smtClean="0"/>
-              <a:t>7/22/17</a:t>
+              <a:t>7/28/17</a:t>
             </a:fld>
             <a:endParaRPr lang="en-US"/>
           </a:p>
@@ -763,7 +763,7 @@
           <a:p>
             <a:fld id="{4AAD347D-5ACD-4C99-B74B-A9C85AD731AF}" type="datetimeFigureOut">
               <a:rPr lang="en-US" dirty="0"/>
-              <a:t>7/22/17</a:t>
+              <a:t>7/28/17</a:t>
             </a:fld>
             <a:endParaRPr lang="en-US" dirty="0"/>
           </a:p>
@@ -1033,7 +1033,7 @@
           <a:p>
             <a:fld id="{4509A250-FF31-4206-8172-F9D3106AACB1}" type="datetimeFigureOut">
               <a:rPr lang="en-US" dirty="0"/>
-              <a:t>7/22/17</a:t>
+              <a:t>7/28/17</a:t>
             </a:fld>
             <a:endParaRPr lang="en-US" dirty="0"/>
           </a:p>
@@ -1222,7 +1222,7 @@
           <a:p>
             <a:fld id="{4509A250-FF31-4206-8172-F9D3106AACB1}" type="datetimeFigureOut">
               <a:rPr lang="en-US" dirty="0"/>
-              <a:t>7/22/17</a:t>
+              <a:t>7/28/17</a:t>
             </a:fld>
             <a:endParaRPr lang="en-US" dirty="0"/>
           </a:p>
@@ -1490,7 +1490,7 @@
           <a:p>
             <a:fld id="{4509A250-FF31-4206-8172-F9D3106AACB1}" type="datetimeFigureOut">
               <a:rPr lang="en-US" dirty="0"/>
-              <a:t>7/22/17</a:t>
+              <a:t>7/28/17</a:t>
             </a:fld>
             <a:endParaRPr lang="en-US" dirty="0"/>
           </a:p>
@@ -1826,7 +1826,7 @@
           <a:p>
             <a:fld id="{4509A250-FF31-4206-8172-F9D3106AACB1}" type="datetimeFigureOut">
               <a:rPr lang="en-US" dirty="0"/>
-              <a:t>7/22/17</a:t>
+              <a:t>7/28/17</a:t>
             </a:fld>
             <a:endParaRPr lang="en-US" dirty="0"/>
           </a:p>
@@ -2444,7 +2444,7 @@
           <a:p>
             <a:fld id="{4509A250-FF31-4206-8172-F9D3106AACB1}" type="datetimeFigureOut">
               <a:rPr lang="en-US" dirty="0"/>
-              <a:t>7/22/17</a:t>
+              <a:t>7/28/17</a:t>
             </a:fld>
             <a:endParaRPr lang="en-US" dirty="0"/>
           </a:p>
@@ -3299,7 +3299,7 @@
           <a:p>
             <a:fld id="{4509A250-FF31-4206-8172-F9D3106AACB1}" type="datetimeFigureOut">
               <a:rPr lang="en-US" dirty="0"/>
-              <a:t>7/22/17</a:t>
+              <a:t>7/28/17</a:t>
             </a:fld>
             <a:endParaRPr lang="en-US" dirty="0"/>
           </a:p>
@@ -3464,7 +3464,7 @@
           <a:p>
             <a:fld id="{4509A250-FF31-4206-8172-F9D3106AACB1}" type="datetimeFigureOut">
               <a:rPr lang="en-US" dirty="0"/>
-              <a:t>7/22/17</a:t>
+              <a:t>7/28/17</a:t>
             </a:fld>
             <a:endParaRPr lang="en-US" dirty="0"/>
           </a:p>
@@ -3639,7 +3639,7 @@
           <a:p>
             <a:fld id="{4509A250-FF31-4206-8172-F9D3106AACB1}" type="datetimeFigureOut">
               <a:rPr lang="en-US" dirty="0"/>
-              <a:t>7/22/17</a:t>
+              <a:t>7/28/17</a:t>
             </a:fld>
             <a:endParaRPr lang="en-US" dirty="0"/>
           </a:p>
@@ -3804,7 +3804,7 @@
           <a:p>
             <a:fld id="{4509A250-FF31-4206-8172-F9D3106AACB1}" type="datetimeFigureOut">
               <a:rPr lang="en-US" dirty="0"/>
-              <a:t>7/22/17</a:t>
+              <a:t>7/28/17</a:t>
             </a:fld>
             <a:endParaRPr lang="en-US" dirty="0"/>
           </a:p>
@@ -4046,7 +4046,7 @@
           <a:p>
             <a:fld id="{9796027F-7875-4030-9381-8BD8C4F21935}" type="datetimeFigureOut">
               <a:rPr lang="en-US" dirty="0"/>
-              <a:t>7/22/17</a:t>
+              <a:t>7/28/17</a:t>
             </a:fld>
             <a:endParaRPr lang="en-US" dirty="0"/>
           </a:p>
@@ -4333,7 +4333,7 @@
           <a:p>
             <a:fld id="{9796027F-7875-4030-9381-8BD8C4F21935}" type="datetimeFigureOut">
               <a:rPr lang="en-US" dirty="0"/>
-              <a:t>7/22/17</a:t>
+              <a:t>7/28/17</a:t>
             </a:fld>
             <a:endParaRPr lang="en-US" dirty="0"/>
           </a:p>
@@ -4772,7 +4772,7 @@
           <a:p>
             <a:fld id="{9796027F-7875-4030-9381-8BD8C4F21935}" type="datetimeFigureOut">
               <a:rPr lang="en-US" dirty="0"/>
-              <a:t>7/22/17</a:t>
+              <a:t>7/28/17</a:t>
             </a:fld>
             <a:endParaRPr lang="en-US" dirty="0"/>
           </a:p>
@@ -4885,7 +4885,7 @@
           <a:p>
             <a:fld id="{4509A250-FF31-4206-8172-F9D3106AACB1}" type="datetimeFigureOut">
               <a:rPr lang="en-US" dirty="0"/>
-              <a:t>7/22/17</a:t>
+              <a:t>7/28/17</a:t>
             </a:fld>
             <a:endParaRPr lang="en-US" dirty="0"/>
           </a:p>
@@ -4975,7 +4975,7 @@
           <a:p>
             <a:fld id="{4509A250-FF31-4206-8172-F9D3106AACB1}" type="datetimeFigureOut">
               <a:rPr lang="en-US" dirty="0"/>
-              <a:t>7/22/17</a:t>
+              <a:t>7/28/17</a:t>
             </a:fld>
             <a:endParaRPr lang="en-US" dirty="0"/>
           </a:p>
@@ -5249,7 +5249,7 @@
           <a:p>
             <a:fld id="{4509A250-FF31-4206-8172-F9D3106AACB1}" type="datetimeFigureOut">
               <a:rPr lang="en-US" dirty="0"/>
-              <a:t>7/22/17</a:t>
+              <a:t>7/28/17</a:t>
             </a:fld>
             <a:endParaRPr lang="en-US" dirty="0"/>
           </a:p>
@@ -5519,7 +5519,7 @@
           <a:p>
             <a:fld id="{4509A250-FF31-4206-8172-F9D3106AACB1}" type="datetimeFigureOut">
               <a:rPr lang="en-US" dirty="0"/>
-              <a:t>7/22/17</a:t>
+              <a:t>7/28/17</a:t>
             </a:fld>
             <a:endParaRPr lang="en-US" dirty="0"/>
           </a:p>
@@ -5943,7 +5943,7 @@
           <a:p>
             <a:fld id="{4AAD347D-5ACD-4C99-B74B-A9C85AD731AF}" type="datetimeFigureOut">
               <a:rPr lang="en-US" dirty="0"/>
-              <a:t>7/22/17</a:t>
+              <a:t>7/28/17</a:t>
             </a:fld>
             <a:endParaRPr lang="en-US" dirty="0"/>
           </a:p>
@@ -7764,15 +7764,7 @@
             </a:r>
             <a:r>
               <a:rPr lang="en-US" dirty="0" err="1"/>
-              <a:t>fs</a:t>
-            </a:r>
-            <a:r>
-              <a:rPr lang="en-US" dirty="0" err="1"/>
-              <a:t>.</a:t>
-            </a:r>
-            <a:r>
-              <a:rPr lang="en-US" dirty="0" err="1"/>
-              <a:t>createReadStream</a:t>
+              <a:t>fs.createReadStream</a:t>
             </a:r>
             <a:r>
               <a:rPr lang="en-US" dirty="0"/>
@@ -7794,15 +7786,7 @@
             </a:r>
             <a:r>
               <a:rPr lang="en-US" dirty="0" err="1"/>
-              <a:t>fs</a:t>
-            </a:r>
-            <a:r>
-              <a:rPr lang="en-US" dirty="0" err="1"/>
-              <a:t>.</a:t>
-            </a:r>
-            <a:r>
-              <a:rPr lang="en-US" dirty="0" err="1"/>
-              <a:t>createWriteStream</a:t>
+              <a:t>fs.createWriteStream</a:t>
             </a:r>
             <a:r>
               <a:rPr lang="en-US" dirty="0"/>
@@ -7828,15 +7812,7 @@
             </a:r>
             <a:r>
               <a:rPr lang="en-US" dirty="0" err="1"/>
-              <a:t>readerStream</a:t>
-            </a:r>
-            <a:r>
-              <a:rPr lang="en-US" dirty="0" err="1"/>
-              <a:t>.</a:t>
-            </a:r>
-            <a:r>
-              <a:rPr lang="en-US" dirty="0" err="1"/>
-              <a:t>pipe</a:t>
+              <a:t>readerStream.pipe</a:t>
             </a:r>
             <a:r>
               <a:rPr lang="en-US" dirty="0"/>
@@ -8124,88 +8100,137 @@
         </p:spPr>
         <p:txBody>
           <a:bodyPr>
-            <a:normAutofit fontScale="77500" lnSpcReduction="20000"/>
+            <a:normAutofit fontScale="85000" lnSpcReduction="20000"/>
           </a:bodyPr>
           <a:lstStyle/>
           <a:p>
             <a:r>
               <a:rPr lang="en-US" dirty="0" smtClean="0"/>
-              <a:t>Introduction (Week-1)</a:t>
-            </a:r>
+              <a:t>Introduction</a:t>
+            </a:r>
+            <a:endParaRPr lang="en-US" dirty="0" smtClean="0"/>
           </a:p>
           <a:p>
             <a:r>
               <a:rPr lang="en-US" dirty="0" smtClean="0"/>
-              <a:t>Environment setup (Week-1)</a:t>
-            </a:r>
-          </a:p>
-          <a:p>
+              <a:t>Environment </a:t>
+            </a:r>
             <a:r>
               <a:rPr lang="en-US" dirty="0" smtClean="0"/>
-              <a:t>REPL Terminal (Week-1)</a:t>
-            </a:r>
+              <a:t>setup</a:t>
+            </a:r>
+            <a:endParaRPr lang="en-US" dirty="0" smtClean="0"/>
           </a:p>
           <a:p>
             <a:r>
               <a:rPr lang="en-US" dirty="0" smtClean="0"/>
-              <a:t>Node Package Manager(NPM) (Week-1)</a:t>
-            </a:r>
-          </a:p>
-          <a:p>
+              <a:t>REPL </a:t>
+            </a:r>
             <a:r>
               <a:rPr lang="en-US" dirty="0" smtClean="0"/>
-              <a:t>Callbacks (Week-2)</a:t>
-            </a:r>
+              <a:t>Terminal</a:t>
+            </a:r>
+            <a:endParaRPr lang="en-US" dirty="0" smtClean="0"/>
           </a:p>
           <a:p>
             <a:r>
               <a:rPr lang="en-US" dirty="0" smtClean="0"/>
-              <a:t>Event and Event emitter (Week-2)</a:t>
-            </a:r>
-          </a:p>
-          <a:p>
+              <a:t>Node Package Manager(NPM</a:t>
+            </a:r>
             <a:r>
               <a:rPr lang="en-US" dirty="0" smtClean="0"/>
-              <a:t>Streams and buffers (Week-3)</a:t>
-            </a:r>
+              <a:t>)</a:t>
+            </a:r>
+            <a:endParaRPr lang="en-US" dirty="0" smtClean="0"/>
           </a:p>
           <a:p>
             <a:r>
               <a:rPr lang="en-US" dirty="0" smtClean="0"/>
-              <a:t>File System and Global Objects (Week-3)</a:t>
+              <a:t>Callbacks</a:t>
             </a:r>
           </a:p>
           <a:p>
             <a:r>
               <a:rPr lang="en-US" dirty="0" smtClean="0"/>
-              <a:t>Express framework(Rest API) (Week-4)</a:t>
+              <a:t>Event and Event emitter</a:t>
             </a:r>
           </a:p>
           <a:p>
             <a:r>
               <a:rPr lang="en-US" dirty="0" smtClean="0"/>
-              <a:t>Introduction to MongoDB (Week-4)</a:t>
-            </a:r>
-          </a:p>
-          <a:p>
+              <a:t>Streams </a:t>
+            </a:r>
             <a:r>
               <a:rPr lang="en-US" dirty="0" smtClean="0"/>
-              <a:t>Connecting Node.js to MongoDB (Week-5)</a:t>
-            </a:r>
-          </a:p>
-          <a:p>
+              <a:t>and </a:t>
+            </a:r>
             <a:r>
               <a:rPr lang="en-US" dirty="0" smtClean="0"/>
-              <a:t>End-to-End Node.js Application (Week-5)</a:t>
-            </a:r>
+              <a:t>buffers</a:t>
+            </a:r>
+            <a:endParaRPr lang="en-US" dirty="0" smtClean="0"/>
           </a:p>
           <a:p>
             <a:r>
               <a:rPr lang="en-US" dirty="0" smtClean="0"/>
-              <a:t>Q&amp;A (Week-6)</a:t>
-            </a:r>
-          </a:p>
-          <a:p>
+              <a:t>File System and Global </a:t>
+            </a:r>
+            <a:r>
+              <a:rPr lang="en-US" dirty="0" smtClean="0"/>
+              <a:t>Objects</a:t>
+            </a:r>
+            <a:endParaRPr lang="en-US" dirty="0" smtClean="0"/>
+          </a:p>
+          <a:p>
+            <a:r>
+              <a:rPr lang="en-US" dirty="0" smtClean="0"/>
+              <a:t>Express framework(Rest API</a:t>
+            </a:r>
+            <a:r>
+              <a:rPr lang="en-US" dirty="0" smtClean="0"/>
+              <a:t>)</a:t>
+            </a:r>
+            <a:endParaRPr lang="en-US" dirty="0" smtClean="0"/>
+          </a:p>
+          <a:p>
+            <a:r>
+              <a:rPr lang="en-US" dirty="0" smtClean="0"/>
+              <a:t>Introduction to </a:t>
+            </a:r>
+            <a:r>
+              <a:rPr lang="en-US" dirty="0" smtClean="0"/>
+              <a:t>MongoDB</a:t>
+            </a:r>
+            <a:endParaRPr lang="en-US" dirty="0" smtClean="0"/>
+          </a:p>
+          <a:p>
+            <a:r>
+              <a:rPr lang="en-US" dirty="0" smtClean="0"/>
+              <a:t>Connecting Node.js to </a:t>
+            </a:r>
+            <a:r>
+              <a:rPr lang="en-US" dirty="0" smtClean="0"/>
+              <a:t>MongoDB</a:t>
+            </a:r>
+            <a:endParaRPr lang="en-US" dirty="0" smtClean="0"/>
+          </a:p>
+          <a:p>
+            <a:r>
+              <a:rPr lang="en-US" dirty="0" smtClean="0"/>
+              <a:t>End-to-End </a:t>
+            </a:r>
+            <a:r>
+              <a:rPr lang="en-US" dirty="0" err="1" smtClean="0"/>
+              <a:t>Node.js</a:t>
+            </a:r>
+            <a:r>
+              <a:rPr lang="en-US" smtClean="0"/>
+              <a:t> </a:t>
+            </a:r>
+            <a:r>
+              <a:rPr lang="en-US" smtClean="0"/>
+              <a:t>Application</a:t>
+            </a:r>
             <a:endParaRPr lang="en-US" dirty="0" smtClean="0"/>
           </a:p>
           <a:p>
@@ -10475,193 +10500,6 @@
                       </p:childTnLst>
                     </p:cTn>
                   </p:par>
-                  <p:par>
-                    <p:cTn id="111" fill="hold">
-                      <p:stCondLst>
-                        <p:cond delay="indefinite"/>
-                      </p:stCondLst>
-                      <p:childTnLst>
-                        <p:par>
-                          <p:cTn id="112" fill="hold">
-                            <p:stCondLst>
-                              <p:cond delay="0"/>
-                            </p:stCondLst>
-                            <p:childTnLst>
-                              <p:par>
-                                <p:cTn id="113" presetID="41" presetClass="entr" presetSubtype="0" fill="hold" nodeType="clickEffect">
-                                  <p:stCondLst>
-                                    <p:cond delay="0"/>
-                                  </p:stCondLst>
-                                  <p:iterate type="lt">
-                                    <p:tmPct val="10000"/>
-                                  </p:iterate>
-                                  <p:childTnLst>
-                                    <p:set>
-                                      <p:cBhvr>
-                                        <p:cTn id="114" dur="1" fill="hold">
-                                          <p:stCondLst>
-                                            <p:cond delay="0"/>
-                                          </p:stCondLst>
-                                        </p:cTn>
-                                        <p:tgtEl>
-                                          <p:spTgt spid="3">
-                                            <p:txEl>
-                                              <p:pRg st="12" end="12"/>
-                                            </p:txEl>
-                                          </p:spTgt>
-                                        </p:tgtEl>
-                                        <p:attrNameLst>
-                                          <p:attrName>style.visibility</p:attrName>
-                                        </p:attrNameLst>
-                                      </p:cBhvr>
-                                      <p:to>
-                                        <p:strVal val="visible"/>
-                                      </p:to>
-                                    </p:set>
-                                    <p:anim calcmode="lin" valueType="num">
-                                      <p:cBhvr>
-                                        <p:cTn id="115" dur="500" fill="hold"/>
-                                        <p:tgtEl>
-                                          <p:spTgt spid="3">
-                                            <p:txEl>
-                                              <p:pRg st="12" end="12"/>
-                                            </p:txEl>
-                                          </p:spTgt>
-                                        </p:tgtEl>
-                                        <p:attrNameLst>
-                                          <p:attrName>ppt_x</p:attrName>
-                                        </p:attrNameLst>
-                                      </p:cBhvr>
-                                      <p:tavLst>
-                                        <p:tav tm="0">
-                                          <p:val>
-                                            <p:strVal val="#ppt_x"/>
-                                          </p:val>
-                                        </p:tav>
-                                        <p:tav tm="50000">
-                                          <p:val>
-                                            <p:strVal val="#ppt_x+.1"/>
-                                          </p:val>
-                                        </p:tav>
-                                        <p:tav tm="100000">
-                                          <p:val>
-                                            <p:strVal val="#ppt_x"/>
-                                          </p:val>
-                                        </p:tav>
-                                      </p:tavLst>
-                                    </p:anim>
-                                    <p:anim calcmode="lin" valueType="num">
-                                      <p:cBhvr>
-                                        <p:cTn id="116" dur="500" fill="hold"/>
-                                        <p:tgtEl>
-                                          <p:spTgt spid="3">
-                                            <p:txEl>
-                                              <p:pRg st="12" end="12"/>
-                                            </p:txEl>
-                                          </p:spTgt>
-                                        </p:tgtEl>
-                                        <p:attrNameLst>
-                                          <p:attrName>ppt_y</p:attrName>
-                                        </p:attrNameLst>
-                                      </p:cBhvr>
-                                      <p:tavLst>
-                                        <p:tav tm="0">
-                                          <p:val>
-                                            <p:strVal val="#ppt_y"/>
-                                          </p:val>
-                                        </p:tav>
-                                        <p:tav tm="100000">
-                                          <p:val>
-                                            <p:strVal val="#ppt_y"/>
-                                          </p:val>
-                                        </p:tav>
-                                      </p:tavLst>
-                                    </p:anim>
-                                    <p:anim calcmode="lin" valueType="num">
-                                      <p:cBhvr>
-                                        <p:cTn id="117" dur="500" fill="hold"/>
-                                        <p:tgtEl>
-                                          <p:spTgt spid="3">
-                                            <p:txEl>
-                                              <p:pRg st="12" end="12"/>
-                                            </p:txEl>
-                                          </p:spTgt>
-                                        </p:tgtEl>
-                                        <p:attrNameLst>
-                                          <p:attrName>ppt_h</p:attrName>
-                                        </p:attrNameLst>
-                                      </p:cBhvr>
-                                      <p:tavLst>
-                                        <p:tav tm="0">
-                                          <p:val>
-                                            <p:strVal val="#ppt_h/10"/>
-                                          </p:val>
-                                        </p:tav>
-                                        <p:tav tm="50000">
-                                          <p:val>
-                                            <p:strVal val="#ppt_h+.01"/>
-                                          </p:val>
-                                        </p:tav>
-                                        <p:tav tm="100000">
-                                          <p:val>
-                                            <p:strVal val="#ppt_h"/>
-                                          </p:val>
-                                        </p:tav>
-                                      </p:tavLst>
-                                    </p:anim>
-                                    <p:anim calcmode="lin" valueType="num">
-                                      <p:cBhvr>
-                                        <p:cTn id="118" dur="500" fill="hold"/>
-                                        <p:tgtEl>
-                                          <p:spTgt spid="3">
-                                            <p:txEl>
-                                              <p:pRg st="12" end="12"/>
-                                            </p:txEl>
-                                          </p:spTgt>
-                                        </p:tgtEl>
-                                        <p:attrNameLst>
-                                          <p:attrName>ppt_w</p:attrName>
-                                        </p:attrNameLst>
-                                      </p:cBhvr>
-                                      <p:tavLst>
-                                        <p:tav tm="0">
-                                          <p:val>
-                                            <p:strVal val="#ppt_w/10"/>
-                                          </p:val>
-                                        </p:tav>
-                                        <p:tav tm="50000">
-                                          <p:val>
-                                            <p:strVal val="#ppt_w+.01"/>
-                                          </p:val>
-                                        </p:tav>
-                                        <p:tav tm="100000">
-                                          <p:val>
-                                            <p:strVal val="#ppt_w"/>
-                                          </p:val>
-                                        </p:tav>
-                                      </p:tavLst>
-                                    </p:anim>
-                                    <p:animEffect transition="in" filter="fade">
-                                      <p:cBhvr>
-                                        <p:cTn id="119" dur="500" tmFilter="0,0; .5, 1; 1, 1"/>
-                                        <p:tgtEl>
-                                          <p:spTgt spid="3">
-                                            <p:txEl>
-                                              <p:pRg st="12" end="12"/>
-                                            </p:txEl>
-                                          </p:spTgt>
-                                        </p:tgtEl>
-                                      </p:cBhvr>
-                                    </p:animEffect>
-                                  </p:childTnLst>
-                                </p:cTn>
-                              </p:par>
-                            </p:childTnLst>
-                          </p:cTn>
-                        </p:par>
-                      </p:childTnLst>
-                    </p:cTn>
-                  </p:par>
                 </p:childTnLst>
               </p:cTn>
               <p:prevCondLst>
